--- a/presentation/ASP .NET MVC 3.pptx
+++ b/presentation/ASP .NET MVC 3.pptx
@@ -384,6 +384,11 @@
         </p:txBody>
       </p:sp>
     </p:spTree>
+    <p:extLst>
+      <p:ext uri="{BB962C8B-B14F-4D97-AF65-F5344CB8AC3E}">
+        <p14:creationId xmlns:p14="http://schemas.microsoft.com/office/powerpoint/2010/main" val="3135047860"/>
+      </p:ext>
+    </p:extLst>
   </p:cSld>
   <p:clrMap bg1="lt1" tx1="dk1" bg2="lt2" tx2="dk2" accent1="accent1" accent2="accent2" accent3="accent3" accent4="accent4" accent5="accent5" accent6="accent6" hlink="hlink" folHlink="folHlink"/>
 </p:handoutMaster>
@@ -718,6 +723,11 @@
         </p:txBody>
       </p:sp>
     </p:spTree>
+    <p:extLst>
+      <p:ext uri="{BB962C8B-B14F-4D97-AF65-F5344CB8AC3E}">
+        <p14:creationId xmlns:p14="http://schemas.microsoft.com/office/powerpoint/2010/main" val="1889306396"/>
+      </p:ext>
+    </p:extLst>
   </p:cSld>
   <p:clrMap bg1="lt1" tx1="dk1" bg2="lt2" tx2="dk2" accent1="accent1" accent2="accent2" accent3="accent3" accent4="accent4" accent5="accent5" accent6="accent6" hlink="hlink" folHlink="folHlink"/>
   <p:notesStyle>
@@ -996,95 +1006,6 @@
             <a:normAutofit/>
           </a:bodyPr>
           <a:lstStyle/>
-          <a:p>
-            <a:r>
-              <a:rPr lang="en-US" sz="1200" b="0" i="0" kern="1200" dirty="0" smtClean="0">
-                <a:solidFill>
-                  <a:schemeClr val="tx1"/>
-                </a:solidFill>
-                <a:latin typeface="Times" pitchFamily="18" charset="0"/>
-                <a:ea typeface="+mn-ea"/>
-                <a:cs typeface="+mn-cs"/>
-              </a:rPr>
-              <a:t>You should NOT use ASP.NET MVC if. . . </a:t>
-            </a:r>
-            <a:r>
-              <a:rPr lang="en-US" sz="1200" b="1" i="0" kern="1200" dirty="0" smtClean="0">
-                <a:solidFill>
-                  <a:schemeClr val="tx1"/>
-                </a:solidFill>
-                <a:latin typeface="Times" pitchFamily="18" charset="0"/>
-                <a:ea typeface="+mn-ea"/>
-                <a:cs typeface="+mn-cs"/>
-              </a:rPr>
-              <a:t>You are not very comfortable with polymorphism</a:t>
-            </a:r>
-            <a:endParaRPr lang="en-US" sz="1200" b="0" i="0" kern="1200" dirty="0" smtClean="0">
-              <a:solidFill>
-                <a:schemeClr val="tx1"/>
-              </a:solidFill>
-              <a:latin typeface="Times" pitchFamily="18" charset="0"/>
-              <a:ea typeface="+mn-ea"/>
-              <a:cs typeface="+mn-cs"/>
-            </a:endParaRPr>
-          </a:p>
-          <a:p>
-            <a:r>
-              <a:rPr lang="en-US" sz="1200" b="0" i="0" kern="1200" dirty="0" smtClean="0">
-                <a:solidFill>
-                  <a:schemeClr val="tx1"/>
-                </a:solidFill>
-                <a:latin typeface="Times" pitchFamily="18" charset="0"/>
-                <a:ea typeface="+mn-ea"/>
-                <a:cs typeface="+mn-cs"/>
-              </a:rPr>
-              <a:t>ASP.NET MVC makes use of interfaces, abstract classes, virtual methods and some </a:t>
-            </a:r>
-            <a:r>
-              <a:rPr lang="en-US" sz="1200" b="0" i="0" kern="1200" dirty="0" err="1" smtClean="0">
-                <a:solidFill>
-                  <a:schemeClr val="tx1"/>
-                </a:solidFill>
-                <a:latin typeface="Times" pitchFamily="18" charset="0"/>
-                <a:ea typeface="+mn-ea"/>
-                <a:cs typeface="+mn-cs"/>
-              </a:rPr>
-              <a:t>psuedo</a:t>
-            </a:r>
-            <a:r>
-              <a:rPr lang="en-US" sz="1200" b="0" i="0" kern="1200" dirty="0" smtClean="0">
-                <a:solidFill>
-                  <a:schemeClr val="tx1"/>
-                </a:solidFill>
-                <a:latin typeface="Times" pitchFamily="18" charset="0"/>
-                <a:ea typeface="+mn-ea"/>
-                <a:cs typeface="+mn-cs"/>
-              </a:rPr>
-              <a:t>-AOP.  If you are not well-versed with these object-oriented concepts, then the framework might not be very friendly for you.  While </a:t>
-            </a:r>
-            <a:r>
-              <a:rPr lang="en-US" sz="1200" b="0" i="0" kern="1200" dirty="0" err="1" smtClean="0">
-                <a:solidFill>
-                  <a:schemeClr val="tx1"/>
-                </a:solidFill>
-                <a:latin typeface="Times" pitchFamily="18" charset="0"/>
-                <a:ea typeface="+mn-ea"/>
-                <a:cs typeface="+mn-cs"/>
-              </a:rPr>
-              <a:t>WebForms</a:t>
-            </a:r>
-            <a:r>
-              <a:rPr lang="en-US" sz="1200" b="0" i="0" kern="1200" dirty="0" smtClean="0">
-                <a:solidFill>
-                  <a:schemeClr val="tx1"/>
-                </a:solidFill>
-                <a:latin typeface="Times" pitchFamily="18" charset="0"/>
-                <a:ea typeface="+mn-ea"/>
-                <a:cs typeface="+mn-cs"/>
-              </a:rPr>
-              <a:t> uses the template method to give the developer some well-defined places to put code, the MVC framework specifies an array of extension points that leverage the power of object-oriented programming to add on and extend the framework. </a:t>
-            </a:r>
-          </a:p>
           <a:p>
             <a:endParaRPr lang="en-US" dirty="0"/>
           </a:p>
@@ -5353,20 +5274,7 @@
                 <a:latin typeface="Helvetica" pitchFamily="34" charset="0"/>
                 <a:cs typeface="Helvetica" pitchFamily="34" charset="0"/>
               </a:rPr>
-              <a:t> Managing </a:t>
-            </a:r>
-            <a:r>
-              <a:rPr lang="en-US" dirty="0" smtClean="0">
-                <a:solidFill>
-                  <a:schemeClr val="tx1">
-                    <a:lumMod val="65000"/>
-                    <a:lumOff val="35000"/>
-                  </a:schemeClr>
-                </a:solidFill>
-                <a:latin typeface="Helvetica" pitchFamily="34" charset="0"/>
-                <a:cs typeface="Helvetica" pitchFamily="34" charset="0"/>
-              </a:rPr>
-              <a:t>libraries in the legacy style</a:t>
+              <a:t> Managing libraries in the legacy style</a:t>
             </a:r>
           </a:p>
           <a:p>
@@ -5800,20 +5708,7 @@
                 <a:latin typeface="Helvetica" pitchFamily="34" charset="0"/>
                 <a:cs typeface="Helvetica" pitchFamily="34" charset="0"/>
               </a:rPr>
-              <a:t> </a:t>
-            </a:r>
-            <a:r>
-              <a:rPr lang="en-US" dirty="0" smtClean="0">
-                <a:solidFill>
-                  <a:schemeClr val="tx1">
-                    <a:lumMod val="65000"/>
-                    <a:lumOff val="35000"/>
-                  </a:schemeClr>
-                </a:solidFill>
-                <a:latin typeface="Helvetica" pitchFamily="34" charset="0"/>
-                <a:cs typeface="Helvetica" pitchFamily="34" charset="0"/>
-              </a:rPr>
-              <a:t>Client validation provider</a:t>
+              <a:t> Client validation provider</a:t>
             </a:r>
           </a:p>
           <a:p>
@@ -5857,31 +5752,8 @@
                 <a:latin typeface="Helvetica" pitchFamily="34" charset="0"/>
                 <a:cs typeface="Helvetica" pitchFamily="34" charset="0"/>
               </a:rPr>
-              <a:t> </a:t>
-            </a:r>
-            <a:r>
-              <a:rPr lang="en-US" dirty="0" smtClean="0">
-                <a:solidFill>
-                  <a:schemeClr val="tx1">
-                    <a:lumMod val="65000"/>
-                    <a:lumOff val="35000"/>
-                  </a:schemeClr>
-                </a:solidFill>
-                <a:latin typeface="Helvetica" pitchFamily="34" charset="0"/>
-                <a:cs typeface="Helvetica" pitchFamily="34" charset="0"/>
-              </a:rPr>
-              <a:t>Remote validations</a:t>
-            </a:r>
-            <a:endParaRPr lang="en-US" dirty="0" smtClean="0">
-              <a:solidFill>
-                <a:schemeClr val="tx1">
-                  <a:lumMod val="65000"/>
-                  <a:lumOff val="35000"/>
-                </a:schemeClr>
-              </a:solidFill>
-              <a:latin typeface="Helvetica" pitchFamily="34" charset="0"/>
-              <a:cs typeface="Helvetica" pitchFamily="34" charset="0"/>
-            </a:endParaRPr>
+              <a:t> Remote validations</a:t>
+            </a:r>
           </a:p>
         </p:txBody>
       </p:sp>
@@ -6316,16 +6188,6 @@
               </a:rPr>
               <a:t> (301)</a:t>
             </a:r>
-            <a:endParaRPr lang="en-US" dirty="0" smtClean="0">
-              <a:solidFill>
-                <a:schemeClr val="tx1">
-                  <a:lumMod val="65000"/>
-                  <a:lumOff val="35000"/>
-                </a:schemeClr>
-              </a:solidFill>
-              <a:latin typeface="Helvetica" pitchFamily="34" charset="0"/>
-              <a:cs typeface="Helvetica" pitchFamily="34" charset="0"/>
-            </a:endParaRPr>
           </a:p>
           <a:p>
             <a:pPr>
@@ -6490,17 +6352,7 @@
                   </a:schemeClr>
                 </a:solidFill>
               </a:rPr>
-              <a:t>twitter</a:t>
-            </a:r>
-            <a:r>
-              <a:rPr lang="en-US" sz="2800" dirty="0" smtClean="0">
-                <a:solidFill>
-                  <a:schemeClr val="bg2">
-                    <a:lumMod val="75000"/>
-                  </a:schemeClr>
-                </a:solidFill>
-              </a:rPr>
-              <a:t>: @jdages </a:t>
+              <a:t>twitter: @jdages </a:t>
             </a:r>
             <a:br>
               <a:rPr lang="en-US" sz="2800" dirty="0" smtClean="0">
@@ -6519,17 +6371,7 @@
                   </a:schemeClr>
                 </a:solidFill>
               </a:rPr>
-              <a:t>source:  </a:t>
-            </a:r>
-            <a:r>
-              <a:rPr lang="en-US" sz="2800" dirty="0" smtClean="0">
-                <a:solidFill>
-                  <a:schemeClr val="bg2">
-                    <a:lumMod val="75000"/>
-                  </a:schemeClr>
-                </a:solidFill>
-              </a:rPr>
-              <a:t>github.com/jdages/mvc-3-presentation</a:t>
+              <a:t>source:  github.com/jdages/mvc-3-presentation</a:t>
             </a:r>
             <a:endParaRPr lang="en-US" dirty="0">
               <a:solidFill>
@@ -6717,10 +6559,10 @@
                 <a:ea typeface="+mj-ea"/>
                 <a:cs typeface="Helvetica" pitchFamily="34" charset="0"/>
               </a:rPr>
-              <a:t>Developing</a:t>
-            </a:r>
-            <a:r>
-              <a:rPr kumimoji="0" lang="en-US" sz="3600" b="1" i="0" u="none" strike="noStrike" kern="0" cap="none" spc="0" normalizeH="0" noProof="0" dirty="0" smtClean="0">
+              <a:t>Developing for </a:t>
+            </a:r>
+            <a:r>
+              <a:rPr kumimoji="0" lang="en-US" sz="3600" b="1" i="0" u="none" strike="noStrike" kern="0" cap="none" spc="0" normalizeH="0" baseline="0" noProof="0" smtClean="0">
                 <a:ln>
                   <a:noFill/>
                 </a:ln>
@@ -6740,7 +6582,7 @@
                 <a:ea typeface="+mj-ea"/>
                 <a:cs typeface="Helvetica" pitchFamily="34" charset="0"/>
               </a:rPr>
-              <a:t> Web Applications</a:t>
+              <a:t>the Web</a:t>
             </a:r>
             <a:endParaRPr kumimoji="0" lang="en-US" sz="3600" b="0" i="0" u="none" strike="noStrike" kern="0" cap="none" spc="0" normalizeH="0" baseline="0" noProof="0" dirty="0">
               <a:ln>
@@ -7775,8 +7617,17 @@
                 <a:latin typeface="Helvetica" pitchFamily="34" charset="0"/>
                 <a:cs typeface="Helvetica" pitchFamily="34" charset="0"/>
               </a:rPr>
-              <a:t> </a:t>
-            </a:r>
+              <a:t> Leverages many advanced OO/Platform concepts </a:t>
+            </a:r>
+          </a:p>
+          <a:p>
+            <a:pPr>
+              <a:lnSpc>
+                <a:spcPct val="150000"/>
+              </a:lnSpc>
+              <a:buFont typeface="Arial" pitchFamily="34" charset="0"/>
+              <a:buChar char="•"/>
+            </a:pPr>
             <a:r>
               <a:rPr lang="en-US" dirty="0" smtClean="0">
                 <a:solidFill>
@@ -7788,42 +7639,7 @@
                 <a:latin typeface="Helvetica" pitchFamily="34" charset="0"/>
                 <a:cs typeface="Helvetica" pitchFamily="34" charset="0"/>
               </a:rPr>
-              <a:t>Leverages many advanced OO/Platform concepts </a:t>
-            </a:r>
-          </a:p>
-          <a:p>
-            <a:pPr>
-              <a:lnSpc>
-                <a:spcPct val="150000"/>
-              </a:lnSpc>
-              <a:buFont typeface="Arial" pitchFamily="34" charset="0"/>
-              <a:buChar char="•"/>
-            </a:pPr>
-            <a:r>
-              <a:rPr lang="en-US" dirty="0" smtClean="0">
-                <a:solidFill>
-                  <a:schemeClr val="tx1">
-                    <a:lumMod val="65000"/>
-                    <a:lumOff val="35000"/>
-                  </a:schemeClr>
-                </a:solidFill>
-                <a:latin typeface="Helvetica" pitchFamily="34" charset="0"/>
-                <a:cs typeface="Helvetica" pitchFamily="34" charset="0"/>
-              </a:rPr>
-              <a:t> Inverted </a:t>
-            </a:r>
-            <a:r>
-              <a:rPr lang="en-US" dirty="0" smtClean="0">
-                <a:solidFill>
-                  <a:schemeClr val="tx1">
-                    <a:lumMod val="65000"/>
-                    <a:lumOff val="35000"/>
-                  </a:schemeClr>
-                </a:solidFill>
-                <a:latin typeface="Helvetica" pitchFamily="34" charset="0"/>
-                <a:cs typeface="Helvetica" pitchFamily="34" charset="0"/>
-              </a:rPr>
-              <a:t>complexity curve</a:t>
+              <a:t> Inverted complexity curve</a:t>
             </a:r>
           </a:p>
           <a:p>
@@ -8319,20 +8135,7 @@
                 <a:latin typeface="Helvetica" pitchFamily="34" charset="0"/>
                 <a:cs typeface="Helvetica" pitchFamily="34" charset="0"/>
               </a:rPr>
-              <a:t> Maturity </a:t>
-            </a:r>
-            <a:r>
-              <a:rPr lang="en-US" dirty="0" smtClean="0">
-                <a:solidFill>
-                  <a:schemeClr val="tx1">
-                    <a:lumMod val="65000"/>
-                    <a:lumOff val="35000"/>
-                  </a:schemeClr>
-                </a:solidFill>
-                <a:latin typeface="Helvetica" pitchFamily="34" charset="0"/>
-                <a:cs typeface="Helvetica" pitchFamily="34" charset="0"/>
-              </a:rPr>
-              <a:t>of tools and framework</a:t>
+              <a:t> Maturity of tools and framework</a:t>
             </a:r>
           </a:p>
           <a:p>
@@ -9644,8 +9447,17 @@
                 <a:latin typeface="Helvetica" pitchFamily="34" charset="0"/>
                 <a:cs typeface="Helvetica" pitchFamily="34" charset="0"/>
               </a:rPr>
-              <a:t> </a:t>
-            </a:r>
+              <a:t> View engines in ASP .NET</a:t>
+            </a:r>
+          </a:p>
+          <a:p>
+            <a:pPr>
+              <a:lnSpc>
+                <a:spcPct val="150000"/>
+              </a:lnSpc>
+              <a:buFont typeface="Arial" pitchFamily="34" charset="0"/>
+              <a:buChar char="•"/>
+            </a:pPr>
             <a:r>
               <a:rPr lang="en-US" dirty="0" smtClean="0">
                 <a:solidFill>
@@ -9657,55 +9469,7 @@
                 <a:latin typeface="Helvetica" pitchFamily="34" charset="0"/>
                 <a:cs typeface="Helvetica" pitchFamily="34" charset="0"/>
               </a:rPr>
-              <a:t>View </a:t>
-            </a:r>
-            <a:r>
-              <a:rPr lang="en-US" dirty="0" smtClean="0">
-                <a:solidFill>
-                  <a:schemeClr val="tx1">
-                    <a:lumMod val="65000"/>
-                    <a:lumOff val="35000"/>
-                  </a:schemeClr>
-                </a:solidFill>
-                <a:latin typeface="Helvetica" pitchFamily="34" charset="0"/>
-                <a:cs typeface="Helvetica" pitchFamily="34" charset="0"/>
-              </a:rPr>
-              <a:t>engines in ASP .NET</a:t>
-            </a:r>
-          </a:p>
-          <a:p>
-            <a:pPr>
-              <a:lnSpc>
-                <a:spcPct val="150000"/>
-              </a:lnSpc>
-              <a:buFont typeface="Arial" pitchFamily="34" charset="0"/>
-              <a:buChar char="•"/>
-            </a:pPr>
-            <a:r>
-              <a:rPr lang="en-US" dirty="0" smtClean="0">
-                <a:solidFill>
-                  <a:schemeClr val="tx1">
-                    <a:lumMod val="65000"/>
-                    <a:lumOff val="35000"/>
-                  </a:schemeClr>
-                </a:solidFill>
-                <a:latin typeface="Helvetica" pitchFamily="34" charset="0"/>
-                <a:cs typeface="Helvetica" pitchFamily="34" charset="0"/>
-              </a:rPr>
-              <a:t> Comparing view </a:t>
-            </a:r>
-            <a:r>
-              <a:rPr lang="en-US" dirty="0" smtClean="0">
-                <a:solidFill>
-                  <a:schemeClr val="tx1">
-                    <a:lumMod val="65000"/>
-                    <a:lumOff val="35000"/>
-                  </a:schemeClr>
-                </a:solidFill>
-                <a:latin typeface="Helvetica" pitchFamily="34" charset="0"/>
-                <a:cs typeface="Helvetica" pitchFamily="34" charset="0"/>
-              </a:rPr>
-              <a:t>engines</a:t>
+              <a:t> Comparing view engines</a:t>
             </a:r>
           </a:p>
           <a:p>
@@ -9772,20 +9536,7 @@
                 <a:latin typeface="Helvetica" pitchFamily="34" charset="0"/>
                 <a:cs typeface="Helvetica" pitchFamily="34" charset="0"/>
               </a:rPr>
-              <a:t> </a:t>
-            </a:r>
-            <a:r>
-              <a:rPr lang="en-US" dirty="0" smtClean="0">
-                <a:solidFill>
-                  <a:schemeClr val="tx1">
-                    <a:lumMod val="65000"/>
-                    <a:lumOff val="35000"/>
-                  </a:schemeClr>
-                </a:solidFill>
-                <a:latin typeface="Helvetica" pitchFamily="34" charset="0"/>
-                <a:cs typeface="Helvetica" pitchFamily="34" charset="0"/>
-              </a:rPr>
-              <a:t>Spark</a:t>
+              <a:t> Spark</a:t>
             </a:r>
           </a:p>
           <a:p>
@@ -11513,8 +11264,14 @@
 <file path=customXml/itemProps3.xml><?xml version="1.0" encoding="utf-8"?>
 <ds:datastoreItem xmlns:ds="http://schemas.openxmlformats.org/officeDocument/2006/customXml" ds:itemID="{CD490EEA-229D-4105-8068-08D33CE4FCAA}">
   <ds:schemaRefs>
+    <ds:schemaRef ds:uri="http://purl.org/dc/elements/1.1/"/>
+    <ds:schemaRef ds:uri="425bec2e-f314-4341-bda3-b5b3153430c8"/>
     <ds:schemaRef ds:uri="http://schemas.microsoft.com/office/2006/metadata/properties"/>
-    <ds:schemaRef ds:uri="425bec2e-f314-4341-bda3-b5b3153430c8"/>
+    <ds:schemaRef ds:uri="http://schemas.microsoft.com/office/2006/documentManagement/types"/>
+    <ds:schemaRef ds:uri="http://purl.org/dc/dcmitype/"/>
+    <ds:schemaRef ds:uri="http://purl.org/dc/terms/"/>
+    <ds:schemaRef ds:uri="http://www.w3.org/XML/1998/namespace"/>
+    <ds:schemaRef ds:uri="http://schemas.openxmlformats.org/package/2006/metadata/core-properties"/>
   </ds:schemaRefs>
 </ds:datastoreItem>
 </file>